--- a/Demand/slides/5. 商业模式画布 - 理性端.pptx
+++ b/Demand/slides/5. 商业模式画布 - 理性端.pptx
@@ -207,7 +207,7 @@
           <a:p>
             <a:fld id="{B3FF89D6-A73C-4BE1-890B-8377975ACD31}" type="datetimeFigureOut">
               <a:rPr lang="zh-CN" altLang="en-US" smtClean="0"/>
-              <a:t>2023/9/28</a:t>
+              <a:t>2024/1/2</a:t>
             </a:fld>
             <a:endParaRPr lang="zh-CN" altLang="en-US"/>
           </a:p>
@@ -605,7 +605,7 @@
           <a:p>
             <a:fld id="{D5AC4098-24B0-4981-9655-4FAAA3FB7844}" type="datetimeFigureOut">
               <a:rPr lang="zh-CN" altLang="en-US" smtClean="0"/>
-              <a:t>2023/9/28</a:t>
+              <a:t>2024/1/2</a:t>
             </a:fld>
             <a:endParaRPr lang="zh-CN" altLang="en-US"/>
           </a:p>
@@ -775,7 +775,7 @@
           <a:p>
             <a:fld id="{D5AC4098-24B0-4981-9655-4FAAA3FB7844}" type="datetimeFigureOut">
               <a:rPr lang="zh-CN" altLang="en-US" smtClean="0"/>
-              <a:t>2023/9/28</a:t>
+              <a:t>2024/1/2</a:t>
             </a:fld>
             <a:endParaRPr lang="zh-CN" altLang="en-US"/>
           </a:p>
@@ -955,7 +955,7 @@
           <a:p>
             <a:fld id="{D5AC4098-24B0-4981-9655-4FAAA3FB7844}" type="datetimeFigureOut">
               <a:rPr lang="zh-CN" altLang="en-US" smtClean="0"/>
-              <a:t>2023/9/28</a:t>
+              <a:t>2024/1/2</a:t>
             </a:fld>
             <a:endParaRPr lang="zh-CN" altLang="en-US"/>
           </a:p>
@@ -1125,7 +1125,7 @@
           <a:p>
             <a:fld id="{D5AC4098-24B0-4981-9655-4FAAA3FB7844}" type="datetimeFigureOut">
               <a:rPr lang="zh-CN" altLang="en-US" smtClean="0"/>
-              <a:t>2023/9/28</a:t>
+              <a:t>2024/1/2</a:t>
             </a:fld>
             <a:endParaRPr lang="zh-CN" altLang="en-US"/>
           </a:p>
@@ -1369,7 +1369,7 @@
           <a:p>
             <a:fld id="{D5AC4098-24B0-4981-9655-4FAAA3FB7844}" type="datetimeFigureOut">
               <a:rPr lang="zh-CN" altLang="en-US" smtClean="0"/>
-              <a:t>2023/9/28</a:t>
+              <a:t>2024/1/2</a:t>
             </a:fld>
             <a:endParaRPr lang="zh-CN" altLang="en-US"/>
           </a:p>
@@ -1601,7 +1601,7 @@
           <a:p>
             <a:fld id="{D5AC4098-24B0-4981-9655-4FAAA3FB7844}" type="datetimeFigureOut">
               <a:rPr lang="zh-CN" altLang="en-US" smtClean="0"/>
-              <a:t>2023/9/28</a:t>
+              <a:t>2024/1/2</a:t>
             </a:fld>
             <a:endParaRPr lang="zh-CN" altLang="en-US"/>
           </a:p>
@@ -1968,7 +1968,7 @@
           <a:p>
             <a:fld id="{D5AC4098-24B0-4981-9655-4FAAA3FB7844}" type="datetimeFigureOut">
               <a:rPr lang="zh-CN" altLang="en-US" smtClean="0"/>
-              <a:t>2023/9/28</a:t>
+              <a:t>2024/1/2</a:t>
             </a:fld>
             <a:endParaRPr lang="zh-CN" altLang="en-US"/>
           </a:p>
@@ -2086,7 +2086,7 @@
           <a:p>
             <a:fld id="{D5AC4098-24B0-4981-9655-4FAAA3FB7844}" type="datetimeFigureOut">
               <a:rPr lang="zh-CN" altLang="en-US" smtClean="0"/>
-              <a:t>2023/9/28</a:t>
+              <a:t>2024/1/2</a:t>
             </a:fld>
             <a:endParaRPr lang="zh-CN" altLang="en-US"/>
           </a:p>
@@ -2181,7 +2181,7 @@
           <a:p>
             <a:fld id="{D5AC4098-24B0-4981-9655-4FAAA3FB7844}" type="datetimeFigureOut">
               <a:rPr lang="zh-CN" altLang="en-US" smtClean="0"/>
-              <a:t>2023/9/28</a:t>
+              <a:t>2024/1/2</a:t>
             </a:fld>
             <a:endParaRPr lang="zh-CN" altLang="en-US"/>
           </a:p>
@@ -2458,7 +2458,7 @@
           <a:p>
             <a:fld id="{D5AC4098-24B0-4981-9655-4FAAA3FB7844}" type="datetimeFigureOut">
               <a:rPr lang="zh-CN" altLang="en-US" smtClean="0"/>
-              <a:t>2023/9/28</a:t>
+              <a:t>2024/1/2</a:t>
             </a:fld>
             <a:endParaRPr lang="zh-CN" altLang="en-US"/>
           </a:p>
@@ -2715,7 +2715,7 @@
           <a:p>
             <a:fld id="{D5AC4098-24B0-4981-9655-4FAAA3FB7844}" type="datetimeFigureOut">
               <a:rPr lang="zh-CN" altLang="en-US" smtClean="0"/>
-              <a:t>2023/9/28</a:t>
+              <a:t>2024/1/2</a:t>
             </a:fld>
             <a:endParaRPr lang="zh-CN" altLang="en-US"/>
           </a:p>
@@ -2928,7 +2928,7 @@
           <a:p>
             <a:fld id="{D5AC4098-24B0-4981-9655-4FAAA3FB7844}" type="datetimeFigureOut">
               <a:rPr lang="zh-CN" altLang="en-US" smtClean="0"/>
-              <a:t>2023/9/28</a:t>
+              <a:t>2024/1/2</a:t>
             </a:fld>
             <a:endParaRPr lang="zh-CN" altLang="en-US"/>
           </a:p>
@@ -3791,7 +3791,7 @@
         </p:blipFill>
         <p:spPr bwMode="auto">
           <a:xfrm>
-            <a:off x="24880" y="18660"/>
+            <a:off x="-2396792" y="-641404"/>
             <a:ext cx="2838442" cy="3788229"/>
           </a:xfrm>
           <a:prstGeom prst="rect">
@@ -3831,7 +3831,7 @@
         </p:blipFill>
         <p:spPr>
           <a:xfrm>
-            <a:off x="2659917" y="1288145"/>
+            <a:off x="-3116635" y="4489368"/>
             <a:ext cx="3303024" cy="3343469"/>
           </a:xfrm>
           <a:prstGeom prst="rect">
@@ -3868,8 +3868,8 @@
         </p:blipFill>
         <p:spPr bwMode="auto">
           <a:xfrm>
-            <a:off x="5443857" y="2002970"/>
-            <a:ext cx="3581510" cy="4799045"/>
+            <a:off x="8844108" y="842231"/>
+            <a:ext cx="4077918" cy="5464207"/>
           </a:xfrm>
           <a:prstGeom prst="rect">
             <a:avLst/>
@@ -8495,7 +8495,7 @@
         </p:blipFill>
         <p:spPr>
           <a:xfrm>
-            <a:off x="1471315" y="1976179"/>
+            <a:off x="1425099" y="1812662"/>
             <a:ext cx="5932904" cy="3674216"/>
           </a:xfrm>
           <a:prstGeom prst="rect">
@@ -8517,7 +8517,7 @@
         </p:nvSpPr>
         <p:spPr>
           <a:xfrm>
-            <a:off x="3827725" y="2515931"/>
+            <a:off x="3837191" y="1630951"/>
             <a:ext cx="1220086" cy="1297357"/>
           </a:xfrm>
           <a:prstGeom prst="rect">
@@ -8602,7 +8602,7 @@
         </p:nvSpPr>
         <p:spPr>
           <a:xfrm>
-            <a:off x="6589543" y="3393006"/>
+            <a:off x="7485415" y="3370563"/>
             <a:ext cx="1421396" cy="957145"/>
           </a:xfrm>
           <a:prstGeom prst="rect">
@@ -8687,7 +8687,7 @@
         </p:nvSpPr>
         <p:spPr>
           <a:xfrm>
-            <a:off x="6637383" y="2375044"/>
+            <a:off x="7358003" y="2375044"/>
             <a:ext cx="1860574" cy="629979"/>
           </a:xfrm>
           <a:prstGeom prst="rect">
@@ -8736,7 +8736,7 @@
         </p:nvSpPr>
         <p:spPr>
           <a:xfrm>
-            <a:off x="5340214" y="2965043"/>
+            <a:off x="5205727" y="1583725"/>
             <a:ext cx="751762" cy="427963"/>
           </a:xfrm>
           <a:prstGeom prst="rect">
@@ -8785,7 +8785,7 @@
         </p:nvSpPr>
         <p:spPr>
           <a:xfrm>
-            <a:off x="2783068" y="2515931"/>
+            <a:off x="2668011" y="618059"/>
             <a:ext cx="1020731" cy="1602896"/>
           </a:xfrm>
           <a:prstGeom prst="rect">
@@ -8846,7 +8846,7 @@
         </p:nvSpPr>
         <p:spPr>
           <a:xfrm>
-            <a:off x="5071243" y="3611272"/>
+            <a:off x="6337272" y="3911928"/>
             <a:ext cx="1020731" cy="629979"/>
           </a:xfrm>
           <a:prstGeom prst="rect">
@@ -8908,7 +8908,7 @@
         </p:nvSpPr>
         <p:spPr>
           <a:xfrm>
-            <a:off x="5733607" y="4738134"/>
+            <a:off x="6496617" y="4781161"/>
             <a:ext cx="1334397" cy="629979"/>
           </a:xfrm>
           <a:prstGeom prst="rect">
@@ -8957,7 +8957,7 @@
         </p:nvSpPr>
         <p:spPr>
           <a:xfrm>
-            <a:off x="2716614" y="4732814"/>
+            <a:off x="2468333" y="5609962"/>
             <a:ext cx="1020731" cy="629979"/>
           </a:xfrm>
           <a:prstGeom prst="rect">
@@ -9006,7 +9006,7 @@
         </p:nvSpPr>
         <p:spPr>
           <a:xfrm>
-            <a:off x="1395516" y="3429000"/>
+            <a:off x="391932" y="3387285"/>
             <a:ext cx="1124400" cy="923699"/>
           </a:xfrm>
           <a:prstGeom prst="rect">
